--- a/实验报告/美食天下小学期计划.pptx
+++ b/实验报告/美食天下小学期计划.pptx
@@ -7598,15 +7598,7 @@
                   <a:schemeClr val="tx1"/>
                 </a:solidFill>
               </a:rPr>
-              <a:t>用户食谱上传，查看发布的菜谱（成发布和未成功发布</a:t>
-            </a:r>
-            <a:r>
-              <a:rPr lang="zh-CN" altLang="en-US" dirty="0">
-                <a:solidFill>
-                  <a:schemeClr val="tx1"/>
-                </a:solidFill>
-              </a:rPr>
-              <a:t>）、美食圈的实现，找回密码</a:t>
+              <a:t>用户食谱上传，查看发布的菜谱（成发布和未成功发布）、美食圈的实现，找回密码</a:t>
             </a:r>
             <a:r>
               <a:rPr lang="en-US" altLang="zh-CN" sz="2000" dirty="0">
@@ -7858,15 +7850,7 @@
                   <a:schemeClr val="tx1"/>
                 </a:solidFill>
               </a:rPr>
-              <a:t>层实现，找回密码后台的实现（通过</a:t>
-            </a:r>
-            <a:r>
-              <a:rPr lang="en-US" altLang="zh-CN" sz="2000" dirty="0">
-                <a:solidFill>
-                  <a:schemeClr val="tx1"/>
-                </a:solidFill>
-              </a:rPr>
-              <a:t>JMail</a:t>
+              <a:t>层实现，找回密码后台的实现（通过密保问题</a:t>
             </a:r>
             <a:r>
               <a:rPr lang="zh-CN" altLang="en-US" sz="2000" dirty="0">
@@ -7874,7 +7858,7 @@
                   <a:schemeClr val="tx1"/>
                 </a:solidFill>
               </a:rPr>
-              <a:t>发邮件）</a:t>
+              <a:t>）</a:t>
             </a:r>
             <a:endParaRPr lang="zh-CN" altLang="en-US" sz="2000" dirty="0">
               <a:solidFill>
